--- a/Algorithm/src/main/resources/BubbleSort.pptx
+++ b/Algorithm/src/main/resources/BubbleSort.pptx
@@ -193,7 +193,7 @@
             <a:fld id="{E5CC3754-FA98-4789-B03C-8C71D0B501E0}" type="datetimeFigureOut">
               <a:rPr lang="en-US" smtClean="0"/>
               <a:pPr/>
-              <a:t>4/19/2020</a:t>
+              <a:t>4/24/2020</a:t>
             </a:fld>
             <a:endParaRPr lang="en-US"/>
           </a:p>
@@ -496,7 +496,7 @@
             <a:fld id="{B605A1C7-C579-4A48-9D7D-6231E4AEAE1C}" type="datetime1">
               <a:rPr lang="en-US" smtClean="0"/>
               <a:pPr/>
-              <a:t>4/19/2020</a:t>
+              <a:t>4/24/2020</a:t>
             </a:fld>
             <a:endParaRPr lang="en-US"/>
           </a:p>
@@ -1219,7 +1219,7 @@
             <a:fld id="{E016A7BD-BCBA-4E9F-B6C3-2F59B4ABE7A6}" type="datetime1">
               <a:rPr lang="en-US" smtClean="0"/>
               <a:pPr/>
-              <a:t>4/19/2020</a:t>
+              <a:t>4/24/2020</a:t>
             </a:fld>
             <a:endParaRPr lang="en-US"/>
           </a:p>
@@ -1410,7 +1410,7 @@
             <a:fld id="{F4B6E4B7-9746-4E04-821E-BFB2CC17691F}" type="datetime1">
               <a:rPr lang="en-US" smtClean="0"/>
               <a:pPr/>
-              <a:t>4/19/2020</a:t>
+              <a:t>4/24/2020</a:t>
             </a:fld>
             <a:endParaRPr lang="en-US"/>
           </a:p>
@@ -1591,7 +1591,7 @@
             <a:fld id="{1389327E-8079-4BA3-BBE1-C26F5385FEF4}" type="datetime1">
               <a:rPr lang="en-US" smtClean="0"/>
               <a:pPr/>
-              <a:t>4/19/2020</a:t>
+              <a:t>4/24/2020</a:t>
             </a:fld>
             <a:endParaRPr lang="en-US"/>
           </a:p>
@@ -3080,7 +3080,7 @@
             <a:fld id="{0D23E934-CB72-4B6B-8E08-0497BCAE23DF}" type="datetime1">
               <a:rPr lang="en-US" smtClean="0"/>
               <a:pPr/>
-              <a:t>4/19/2020</a:t>
+              <a:t>4/24/2020</a:t>
             </a:fld>
             <a:endParaRPr lang="en-US"/>
           </a:p>
@@ -3686,7 +3686,7 @@
             <a:fld id="{8BBB9921-0C4F-4421-BA6C-84F47F20BCB7}" type="datetime1">
               <a:rPr lang="en-US" smtClean="0"/>
               <a:pPr/>
-              <a:t>4/19/2020</a:t>
+              <a:t>4/24/2020</a:t>
             </a:fld>
             <a:endParaRPr lang="en-US"/>
           </a:p>
@@ -4129,7 +4129,7 @@
             <a:fld id="{D7D256E1-681E-4268-B46A-C83CB075219A}" type="datetime1">
               <a:rPr lang="en-US" smtClean="0"/>
               <a:pPr/>
-              <a:t>4/19/2020</a:t>
+              <a:t>4/24/2020</a:t>
             </a:fld>
             <a:endParaRPr lang="en-US"/>
           </a:p>
@@ -4696,7 +4696,7 @@
             <a:fld id="{D558509B-5088-4D72-80E3-58DACA9221E0}" type="datetime1">
               <a:rPr lang="en-US" smtClean="0"/>
               <a:pPr/>
-              <a:t>4/19/2020</a:t>
+              <a:t>4/24/2020</a:t>
             </a:fld>
             <a:endParaRPr lang="en-US"/>
           </a:p>
@@ -4798,7 +4798,7 @@
             <a:fld id="{C3A883B1-17CF-464D-B6D0-E6E3F3AA698B}" type="datetime1">
               <a:rPr lang="en-US" smtClean="0"/>
               <a:pPr/>
-              <a:t>4/19/2020</a:t>
+              <a:t>4/24/2020</a:t>
             </a:fld>
             <a:endParaRPr lang="en-US"/>
           </a:p>
@@ -5058,7 +5058,7 @@
             <a:fld id="{8C371CD5-FB4B-4D53-A8AF-9E22005448A0}" type="datetime1">
               <a:rPr lang="en-US" smtClean="0"/>
               <a:pPr/>
-              <a:t>4/19/2020</a:t>
+              <a:t>4/24/2020</a:t>
             </a:fld>
             <a:endParaRPr lang="en-US"/>
           </a:p>
@@ -5785,7 +5785,7 @@
             <a:fld id="{14BE3480-500D-46BA-8E4E-1949B8D977E4}" type="datetime1">
               <a:rPr lang="en-US" smtClean="0"/>
               <a:pPr/>
-              <a:t>4/19/2020</a:t>
+              <a:t>4/24/2020</a:t>
             </a:fld>
             <a:endParaRPr lang="en-US"/>
           </a:p>
@@ -6464,7 +6464,7 @@
             <a:fld id="{23CC6A4F-6939-4CFD-9534-CA02FDBC1704}" type="datetime1">
               <a:rPr lang="en-US" smtClean="0"/>
               <a:pPr/>
-              <a:t>4/19/2020</a:t>
+              <a:t>4/24/2020</a:t>
             </a:fld>
             <a:endParaRPr lang="en-US"/>
           </a:p>
@@ -6935,24 +6935,15 @@
             </a:pPr>
             <a:r>
               <a:rPr lang="en-US" dirty="0" smtClean="0"/>
-              <a:t>Space </a:t>
-            </a:r>
+              <a:t>Space Complexity</a:t>
+            </a:r>
+          </a:p>
+          <a:p>
+            <a:pPr marL="342900" indent="-342900"/>
             <a:r>
               <a:rPr lang="en-US" dirty="0" smtClean="0"/>
-              <a:t>Complexity</a:t>
-            </a:r>
-          </a:p>
-          <a:p>
-            <a:pPr marL="342900" indent="-342900"/>
-            <a:r>
-              <a:rPr lang="en-US" dirty="0" smtClean="0"/>
-              <a:t>	</a:t>
-            </a:r>
-            <a:r>
-              <a:rPr lang="en-US" dirty="0" smtClean="0"/>
-              <a:t>O(1) since we are only updating the references and not extra memory is needed. </a:t>
-            </a:r>
-            <a:endParaRPr lang="en-US" dirty="0" smtClean="0"/>
+              <a:t>	O(1) since we are only updating the references and not extra memory is needed. </a:t>
+            </a:r>
           </a:p>
           <a:p>
             <a:pPr marL="342900" indent="-342900"/>
@@ -6972,54 +6963,28 @@
             <a:pPr marL="342900" indent="-342900"/>
             <a:r>
               <a:rPr lang="en-US" dirty="0" smtClean="0"/>
-              <a:t>	</a:t>
-            </a:r>
-            <a:r>
-              <a:rPr lang="en-US" dirty="0" smtClean="0"/>
-              <a:t>Number of iterations done by the algorithm would be:</a:t>
-            </a:r>
-            <a:endParaRPr lang="en-US" dirty="0" smtClean="0"/>
+              <a:t>	Number of iterations done by the algorithm would be:</a:t>
+            </a:r>
           </a:p>
           <a:p>
             <a:pPr marL="342900" indent="-342900"/>
             <a:r>
               <a:rPr lang="pt-BR" dirty="0" smtClean="0"/>
-              <a:t>	(</a:t>
-            </a:r>
+              <a:t>	(n-1) + (n-2) + (n-3) + ..... + 3 + 2 + 1 </a:t>
+            </a:r>
+          </a:p>
+          <a:p>
+            <a:pPr marL="342900" indent="-342900"/>
             <a:r>
               <a:rPr lang="pt-BR" dirty="0" smtClean="0"/>
-              <a:t>n-1) + (n-2) + (n-3) + ..... + 3 + 2 + 1 </a:t>
-            </a:r>
-            <a:endParaRPr lang="pt-BR" dirty="0" smtClean="0"/>
+              <a:t>	Sum = n(n-1)/2	</a:t>
+            </a:r>
           </a:p>
           <a:p>
             <a:pPr marL="342900" indent="-342900"/>
             <a:r>
               <a:rPr lang="pt-BR" dirty="0" smtClean="0"/>
-              <a:t>	</a:t>
-            </a:r>
-            <a:r>
-              <a:rPr lang="pt-BR" dirty="0" smtClean="0"/>
-              <a:t>Sum </a:t>
-            </a:r>
-            <a:r>
-              <a:rPr lang="pt-BR" dirty="0" smtClean="0"/>
-              <a:t>= n(n-1)/</a:t>
-            </a:r>
-            <a:r>
-              <a:rPr lang="pt-BR" dirty="0" smtClean="0"/>
-              <a:t>2	</a:t>
-            </a:r>
-          </a:p>
-          <a:p>
-            <a:pPr marL="342900" indent="-342900"/>
-            <a:r>
-              <a:rPr lang="pt-BR" dirty="0" smtClean="0"/>
-              <a:t>	</a:t>
-            </a:r>
-            <a:r>
-              <a:rPr lang="pt-BR" dirty="0" smtClean="0"/>
-              <a:t>This equates to time complexity of </a:t>
+              <a:t>	This equates to time complexity of </a:t>
             </a:r>
             <a:r>
               <a:rPr lang="en-US" b="1" dirty="0" smtClean="0"/>
@@ -7038,29 +7003,6 @@
           <a:p>
             <a:pPr marL="342900" indent="-342900"/>
             <a:endParaRPr lang="en-US" dirty="0" smtClean="0"/>
-          </a:p>
-        </p:txBody>
-      </p:sp>
-      <p:sp>
-        <p:nvSpPr>
-          <p:cNvPr id="6" name="Footer Placeholder 5"/>
-          <p:cNvSpPr>
-            <a:spLocks noGrp="1"/>
-          </p:cNvSpPr>
-          <p:nvPr>
-            <p:ph type="ftr" sz="quarter" idx="11"/>
-          </p:nvPr>
-        </p:nvSpPr>
-        <p:spPr/>
-        <p:txBody>
-          <a:bodyPr/>
-          <a:lstStyle/>
-          <a:p>
-            <a:r>
-              <a:rPr lang="en-US" smtClean="0"/>
-              <a:t>Desi Coder</a:t>
-            </a:r>
-            <a:endParaRPr lang="en-US"/>
           </a:p>
         </p:txBody>
       </p:sp>
